--- a/doc/발표자료/0927_캡스톤디자인2_발표자료_2016104118김형석.pptx
+++ b/doc/발표자료/0927_캡스톤디자인2_발표자료_2016104118김형석.pptx
@@ -121,6 +121,11 @@
       </a:defRPr>
     </a:lvl9pPr>
   </p:defaultTextStyle>
+  <p:extLst>
+    <p:ext uri="{EFAFB233-063F-42B5-8137-9DF3F51BA10A}">
+      <p15:sldGuideLst xmlns:p15="http://schemas.microsoft.com/office/powerpoint/2012/main"/>
+    </p:ext>
+  </p:extLst>
 </p:presentation>
 </file>
 
@@ -1060,7 +1065,7 @@
           <a:p>
             <a:fld id="{256F6534-E42C-4430-8674-451218B29596}" type="datetimeFigureOut">
               <a:rPr lang="ko-KR" altLang="en-US" smtClean="0"/>
-              <a:t>2022-09-25</a:t>
+              <a:t>2022-12-01</a:t>
             </a:fld>
             <a:endParaRPr lang="ko-KR" altLang="en-US"/>
           </a:p>
@@ -1543,7 +1548,7 @@
           <a:p>
             <a:fld id="{3F01BB25-53DE-4C28-BA4C-AE570823F56D}" type="datetimeFigureOut">
               <a:rPr lang="ko-KR" altLang="en-US" smtClean="0"/>
-              <a:t>2022-09-25</a:t>
+              <a:t>2022-12-01</a:t>
             </a:fld>
             <a:endParaRPr lang="ko-KR" altLang="en-US"/>
           </a:p>
@@ -1713,7 +1718,7 @@
           <a:p>
             <a:fld id="{3F01BB25-53DE-4C28-BA4C-AE570823F56D}" type="datetimeFigureOut">
               <a:rPr lang="ko-KR" altLang="en-US" smtClean="0"/>
-              <a:t>2022-09-25</a:t>
+              <a:t>2022-12-01</a:t>
             </a:fld>
             <a:endParaRPr lang="ko-KR" altLang="en-US"/>
           </a:p>
@@ -1893,7 +1898,7 @@
           <a:p>
             <a:fld id="{3F01BB25-53DE-4C28-BA4C-AE570823F56D}" type="datetimeFigureOut">
               <a:rPr lang="ko-KR" altLang="en-US" smtClean="0"/>
-              <a:t>2022-09-25</a:t>
+              <a:t>2022-12-01</a:t>
             </a:fld>
             <a:endParaRPr lang="ko-KR" altLang="en-US"/>
           </a:p>
@@ -2192,7 +2197,7 @@
           <a:p>
             <a:fld id="{3F01BB25-53DE-4C28-BA4C-AE570823F56D}" type="datetimeFigureOut">
               <a:rPr lang="ko-KR" altLang="en-US" smtClean="0"/>
-              <a:t>2022-09-25</a:t>
+              <a:t>2022-12-01</a:t>
             </a:fld>
             <a:endParaRPr lang="ko-KR" altLang="en-US"/>
           </a:p>
@@ -2438,7 +2443,7 @@
           <a:p>
             <a:fld id="{3F01BB25-53DE-4C28-BA4C-AE570823F56D}" type="datetimeFigureOut">
               <a:rPr lang="ko-KR" altLang="en-US" smtClean="0"/>
-              <a:t>2022-09-25</a:t>
+              <a:t>2022-12-01</a:t>
             </a:fld>
             <a:endParaRPr lang="ko-KR" altLang="en-US"/>
           </a:p>
@@ -2670,7 +2675,7 @@
           <a:p>
             <a:fld id="{3F01BB25-53DE-4C28-BA4C-AE570823F56D}" type="datetimeFigureOut">
               <a:rPr lang="ko-KR" altLang="en-US" smtClean="0"/>
-              <a:t>2022-09-25</a:t>
+              <a:t>2022-12-01</a:t>
             </a:fld>
             <a:endParaRPr lang="ko-KR" altLang="en-US"/>
           </a:p>
@@ -3037,7 +3042,7 @@
           <a:p>
             <a:fld id="{3F01BB25-53DE-4C28-BA4C-AE570823F56D}" type="datetimeFigureOut">
               <a:rPr lang="ko-KR" altLang="en-US" smtClean="0"/>
-              <a:t>2022-09-25</a:t>
+              <a:t>2022-12-01</a:t>
             </a:fld>
             <a:endParaRPr lang="ko-KR" altLang="en-US"/>
           </a:p>
@@ -3155,7 +3160,7 @@
           <a:p>
             <a:fld id="{3F01BB25-53DE-4C28-BA4C-AE570823F56D}" type="datetimeFigureOut">
               <a:rPr lang="ko-KR" altLang="en-US" smtClean="0"/>
-              <a:t>2022-09-25</a:t>
+              <a:t>2022-12-01</a:t>
             </a:fld>
             <a:endParaRPr lang="ko-KR" altLang="en-US"/>
           </a:p>
@@ -3250,7 +3255,7 @@
           <a:p>
             <a:fld id="{3F01BB25-53DE-4C28-BA4C-AE570823F56D}" type="datetimeFigureOut">
               <a:rPr lang="ko-KR" altLang="en-US" smtClean="0"/>
-              <a:t>2022-09-25</a:t>
+              <a:t>2022-12-01</a:t>
             </a:fld>
             <a:endParaRPr lang="ko-KR" altLang="en-US"/>
           </a:p>
@@ -3527,7 +3532,7 @@
           <a:p>
             <a:fld id="{3F01BB25-53DE-4C28-BA4C-AE570823F56D}" type="datetimeFigureOut">
               <a:rPr lang="ko-KR" altLang="en-US" smtClean="0"/>
-              <a:t>2022-09-25</a:t>
+              <a:t>2022-12-01</a:t>
             </a:fld>
             <a:endParaRPr lang="ko-KR" altLang="en-US"/>
           </a:p>
@@ -3780,7 +3785,7 @@
           <a:p>
             <a:fld id="{3F01BB25-53DE-4C28-BA4C-AE570823F56D}" type="datetimeFigureOut">
               <a:rPr lang="ko-KR" altLang="en-US" smtClean="0"/>
-              <a:t>2022-09-25</a:t>
+              <a:t>2022-12-01</a:t>
             </a:fld>
             <a:endParaRPr lang="ko-KR" altLang="en-US"/>
           </a:p>
@@ -3993,7 +3998,7 @@
           <a:p>
             <a:fld id="{3F01BB25-53DE-4C28-BA4C-AE570823F56D}" type="datetimeFigureOut">
               <a:rPr lang="ko-KR" altLang="en-US" smtClean="0"/>
-              <a:t>2022-09-25</a:t>
+              <a:t>2022-12-01</a:t>
             </a:fld>
             <a:endParaRPr lang="ko-KR" altLang="en-US"/>
           </a:p>
@@ -4504,10 +4509,10 @@
         </p:nvGrpSpPr>
         <p:grpSpPr>
           <a:xfrm>
-            <a:off x="3032318" y="2941599"/>
-            <a:ext cx="6179850" cy="995467"/>
-            <a:chOff x="5988388" y="483017"/>
-            <a:chExt cx="12359700" cy="1990933"/>
+            <a:off x="3014336" y="2554457"/>
+            <a:ext cx="6179850" cy="1382609"/>
+            <a:chOff x="5952424" y="-291267"/>
+            <a:chExt cx="12359700" cy="2765217"/>
           </a:xfrm>
         </p:grpSpPr>
         <p:sp>
@@ -4518,8 +4523,8 @@
           </p:nvSpPr>
           <p:spPr>
             <a:xfrm>
-              <a:off x="5988388" y="483017"/>
-              <a:ext cx="12359700" cy="1323423"/>
+              <a:off x="5952424" y="-291267"/>
+              <a:ext cx="12359700" cy="1323424"/>
             </a:xfrm>
             <a:prstGeom prst="rect">
               <a:avLst/>
@@ -4812,463 +4817,10 @@
                 </a:rPr>
                 <a:t>PRESENTATION</a:t>
               </a:r>
-              <a:endParaRPr lang="en-US" sz="1400" dirty="0">
-                <a:solidFill>
-                  <a:schemeClr val="bg1"/>
-                </a:solidFill>
-                <a:latin typeface="Lato Regular"/>
-                <a:cs typeface="Lato Regular"/>
-              </a:endParaRPr>
             </a:p>
           </p:txBody>
         </p:sp>
       </p:grpSp>
-      <p:sp>
-        <p:nvSpPr>
-          <p:cNvPr id="10" name="Freeform 280"/>
-          <p:cNvSpPr>
-            <a:spLocks noEditPoints="1"/>
-          </p:cNvSpPr>
-          <p:nvPr/>
-        </p:nvSpPr>
-        <p:spPr bwMode="auto">
-          <a:xfrm>
-            <a:off x="5769208" y="2352526"/>
-            <a:ext cx="682592" cy="555654"/>
-          </a:xfrm>
-          <a:custGeom>
-            <a:avLst/>
-            <a:gdLst>
-              <a:gd name="T0" fmla="*/ 0 w 283"/>
-              <a:gd name="T1" fmla="*/ 282 h 282"/>
-              <a:gd name="T2" fmla="*/ 142 w 283"/>
-              <a:gd name="T3" fmla="*/ 282 h 282"/>
-              <a:gd name="T4" fmla="*/ 142 w 283"/>
-              <a:gd name="T5" fmla="*/ 0 h 282"/>
-              <a:gd name="T6" fmla="*/ 0 w 283"/>
-              <a:gd name="T7" fmla="*/ 0 h 282"/>
-              <a:gd name="T8" fmla="*/ 0 w 283"/>
-              <a:gd name="T9" fmla="*/ 282 h 282"/>
-              <a:gd name="T10" fmla="*/ 89 w 283"/>
-              <a:gd name="T11" fmla="*/ 35 h 282"/>
-              <a:gd name="T12" fmla="*/ 124 w 283"/>
-              <a:gd name="T13" fmla="*/ 35 h 282"/>
-              <a:gd name="T14" fmla="*/ 124 w 283"/>
-              <a:gd name="T15" fmla="*/ 70 h 282"/>
-              <a:gd name="T16" fmla="*/ 89 w 283"/>
-              <a:gd name="T17" fmla="*/ 70 h 282"/>
-              <a:gd name="T18" fmla="*/ 89 w 283"/>
-              <a:gd name="T19" fmla="*/ 35 h 282"/>
-              <a:gd name="T20" fmla="*/ 89 w 283"/>
-              <a:gd name="T21" fmla="*/ 106 h 282"/>
-              <a:gd name="T22" fmla="*/ 124 w 283"/>
-              <a:gd name="T23" fmla="*/ 106 h 282"/>
-              <a:gd name="T24" fmla="*/ 124 w 283"/>
-              <a:gd name="T25" fmla="*/ 141 h 282"/>
-              <a:gd name="T26" fmla="*/ 89 w 283"/>
-              <a:gd name="T27" fmla="*/ 141 h 282"/>
-              <a:gd name="T28" fmla="*/ 89 w 283"/>
-              <a:gd name="T29" fmla="*/ 106 h 282"/>
-              <a:gd name="T30" fmla="*/ 89 w 283"/>
-              <a:gd name="T31" fmla="*/ 176 h 282"/>
-              <a:gd name="T32" fmla="*/ 124 w 283"/>
-              <a:gd name="T33" fmla="*/ 176 h 282"/>
-              <a:gd name="T34" fmla="*/ 124 w 283"/>
-              <a:gd name="T35" fmla="*/ 212 h 282"/>
-              <a:gd name="T36" fmla="*/ 89 w 283"/>
-              <a:gd name="T37" fmla="*/ 212 h 282"/>
-              <a:gd name="T38" fmla="*/ 89 w 283"/>
-              <a:gd name="T39" fmla="*/ 176 h 282"/>
-              <a:gd name="T40" fmla="*/ 18 w 283"/>
-              <a:gd name="T41" fmla="*/ 35 h 282"/>
-              <a:gd name="T42" fmla="*/ 53 w 283"/>
-              <a:gd name="T43" fmla="*/ 35 h 282"/>
-              <a:gd name="T44" fmla="*/ 53 w 283"/>
-              <a:gd name="T45" fmla="*/ 70 h 282"/>
-              <a:gd name="T46" fmla="*/ 18 w 283"/>
-              <a:gd name="T47" fmla="*/ 70 h 282"/>
-              <a:gd name="T48" fmla="*/ 18 w 283"/>
-              <a:gd name="T49" fmla="*/ 35 h 282"/>
-              <a:gd name="T50" fmla="*/ 18 w 283"/>
-              <a:gd name="T51" fmla="*/ 106 h 282"/>
-              <a:gd name="T52" fmla="*/ 53 w 283"/>
-              <a:gd name="T53" fmla="*/ 106 h 282"/>
-              <a:gd name="T54" fmla="*/ 53 w 283"/>
-              <a:gd name="T55" fmla="*/ 141 h 282"/>
-              <a:gd name="T56" fmla="*/ 18 w 283"/>
-              <a:gd name="T57" fmla="*/ 141 h 282"/>
-              <a:gd name="T58" fmla="*/ 18 w 283"/>
-              <a:gd name="T59" fmla="*/ 106 h 282"/>
-              <a:gd name="T60" fmla="*/ 18 w 283"/>
-              <a:gd name="T61" fmla="*/ 176 h 282"/>
-              <a:gd name="T62" fmla="*/ 53 w 283"/>
-              <a:gd name="T63" fmla="*/ 176 h 282"/>
-              <a:gd name="T64" fmla="*/ 53 w 283"/>
-              <a:gd name="T65" fmla="*/ 212 h 282"/>
-              <a:gd name="T66" fmla="*/ 18 w 283"/>
-              <a:gd name="T67" fmla="*/ 212 h 282"/>
-              <a:gd name="T68" fmla="*/ 18 w 283"/>
-              <a:gd name="T69" fmla="*/ 176 h 282"/>
-              <a:gd name="T70" fmla="*/ 159 w 283"/>
-              <a:gd name="T71" fmla="*/ 88 h 282"/>
-              <a:gd name="T72" fmla="*/ 283 w 283"/>
-              <a:gd name="T73" fmla="*/ 88 h 282"/>
-              <a:gd name="T74" fmla="*/ 283 w 283"/>
-              <a:gd name="T75" fmla="*/ 106 h 282"/>
-              <a:gd name="T76" fmla="*/ 159 w 283"/>
-              <a:gd name="T77" fmla="*/ 106 h 282"/>
-              <a:gd name="T78" fmla="*/ 159 w 283"/>
-              <a:gd name="T79" fmla="*/ 88 h 282"/>
-              <a:gd name="T80" fmla="*/ 159 w 283"/>
-              <a:gd name="T81" fmla="*/ 282 h 282"/>
-              <a:gd name="T82" fmla="*/ 195 w 283"/>
-              <a:gd name="T83" fmla="*/ 282 h 282"/>
-              <a:gd name="T84" fmla="*/ 195 w 283"/>
-              <a:gd name="T85" fmla="*/ 212 h 282"/>
-              <a:gd name="T86" fmla="*/ 248 w 283"/>
-              <a:gd name="T87" fmla="*/ 212 h 282"/>
-              <a:gd name="T88" fmla="*/ 248 w 283"/>
-              <a:gd name="T89" fmla="*/ 282 h 282"/>
-              <a:gd name="T90" fmla="*/ 283 w 283"/>
-              <a:gd name="T91" fmla="*/ 282 h 282"/>
-              <a:gd name="T92" fmla="*/ 283 w 283"/>
-              <a:gd name="T93" fmla="*/ 123 h 282"/>
-              <a:gd name="T94" fmla="*/ 159 w 283"/>
-              <a:gd name="T95" fmla="*/ 123 h 282"/>
-              <a:gd name="T96" fmla="*/ 159 w 283"/>
-              <a:gd name="T97" fmla="*/ 282 h 282"/>
-            </a:gdLst>
-            <a:ahLst/>
-            <a:cxnLst>
-              <a:cxn ang="0">
-                <a:pos x="T0" y="T1"/>
-              </a:cxn>
-              <a:cxn ang="0">
-                <a:pos x="T2" y="T3"/>
-              </a:cxn>
-              <a:cxn ang="0">
-                <a:pos x="T4" y="T5"/>
-              </a:cxn>
-              <a:cxn ang="0">
-                <a:pos x="T6" y="T7"/>
-              </a:cxn>
-              <a:cxn ang="0">
-                <a:pos x="T8" y="T9"/>
-              </a:cxn>
-              <a:cxn ang="0">
-                <a:pos x="T10" y="T11"/>
-              </a:cxn>
-              <a:cxn ang="0">
-                <a:pos x="T12" y="T13"/>
-              </a:cxn>
-              <a:cxn ang="0">
-                <a:pos x="T14" y="T15"/>
-              </a:cxn>
-              <a:cxn ang="0">
-                <a:pos x="T16" y="T17"/>
-              </a:cxn>
-              <a:cxn ang="0">
-                <a:pos x="T18" y="T19"/>
-              </a:cxn>
-              <a:cxn ang="0">
-                <a:pos x="T20" y="T21"/>
-              </a:cxn>
-              <a:cxn ang="0">
-                <a:pos x="T22" y="T23"/>
-              </a:cxn>
-              <a:cxn ang="0">
-                <a:pos x="T24" y="T25"/>
-              </a:cxn>
-              <a:cxn ang="0">
-                <a:pos x="T26" y="T27"/>
-              </a:cxn>
-              <a:cxn ang="0">
-                <a:pos x="T28" y="T29"/>
-              </a:cxn>
-              <a:cxn ang="0">
-                <a:pos x="T30" y="T31"/>
-              </a:cxn>
-              <a:cxn ang="0">
-                <a:pos x="T32" y="T33"/>
-              </a:cxn>
-              <a:cxn ang="0">
-                <a:pos x="T34" y="T35"/>
-              </a:cxn>
-              <a:cxn ang="0">
-                <a:pos x="T36" y="T37"/>
-              </a:cxn>
-              <a:cxn ang="0">
-                <a:pos x="T38" y="T39"/>
-              </a:cxn>
-              <a:cxn ang="0">
-                <a:pos x="T40" y="T41"/>
-              </a:cxn>
-              <a:cxn ang="0">
-                <a:pos x="T42" y="T43"/>
-              </a:cxn>
-              <a:cxn ang="0">
-                <a:pos x="T44" y="T45"/>
-              </a:cxn>
-              <a:cxn ang="0">
-                <a:pos x="T46" y="T47"/>
-              </a:cxn>
-              <a:cxn ang="0">
-                <a:pos x="T48" y="T49"/>
-              </a:cxn>
-              <a:cxn ang="0">
-                <a:pos x="T50" y="T51"/>
-              </a:cxn>
-              <a:cxn ang="0">
-                <a:pos x="T52" y="T53"/>
-              </a:cxn>
-              <a:cxn ang="0">
-                <a:pos x="T54" y="T55"/>
-              </a:cxn>
-              <a:cxn ang="0">
-                <a:pos x="T56" y="T57"/>
-              </a:cxn>
-              <a:cxn ang="0">
-                <a:pos x="T58" y="T59"/>
-              </a:cxn>
-              <a:cxn ang="0">
-                <a:pos x="T60" y="T61"/>
-              </a:cxn>
-              <a:cxn ang="0">
-                <a:pos x="T62" y="T63"/>
-              </a:cxn>
-              <a:cxn ang="0">
-                <a:pos x="T64" y="T65"/>
-              </a:cxn>
-              <a:cxn ang="0">
-                <a:pos x="T66" y="T67"/>
-              </a:cxn>
-              <a:cxn ang="0">
-                <a:pos x="T68" y="T69"/>
-              </a:cxn>
-              <a:cxn ang="0">
-                <a:pos x="T70" y="T71"/>
-              </a:cxn>
-              <a:cxn ang="0">
-                <a:pos x="T72" y="T73"/>
-              </a:cxn>
-              <a:cxn ang="0">
-                <a:pos x="T74" y="T75"/>
-              </a:cxn>
-              <a:cxn ang="0">
-                <a:pos x="T76" y="T77"/>
-              </a:cxn>
-              <a:cxn ang="0">
-                <a:pos x="T78" y="T79"/>
-              </a:cxn>
-              <a:cxn ang="0">
-                <a:pos x="T80" y="T81"/>
-              </a:cxn>
-              <a:cxn ang="0">
-                <a:pos x="T82" y="T83"/>
-              </a:cxn>
-              <a:cxn ang="0">
-                <a:pos x="T84" y="T85"/>
-              </a:cxn>
-              <a:cxn ang="0">
-                <a:pos x="T86" y="T87"/>
-              </a:cxn>
-              <a:cxn ang="0">
-                <a:pos x="T88" y="T89"/>
-              </a:cxn>
-              <a:cxn ang="0">
-                <a:pos x="T90" y="T91"/>
-              </a:cxn>
-              <a:cxn ang="0">
-                <a:pos x="T92" y="T93"/>
-              </a:cxn>
-              <a:cxn ang="0">
-                <a:pos x="T94" y="T95"/>
-              </a:cxn>
-              <a:cxn ang="0">
-                <a:pos x="T96" y="T97"/>
-              </a:cxn>
-            </a:cxnLst>
-            <a:rect l="0" t="0" r="r" b="b"/>
-            <a:pathLst>
-              <a:path w="283" h="282">
-                <a:moveTo>
-                  <a:pt x="0" y="282"/>
-                </a:moveTo>
-                <a:lnTo>
-                  <a:pt x="142" y="282"/>
-                </a:lnTo>
-                <a:lnTo>
-                  <a:pt x="142" y="0"/>
-                </a:lnTo>
-                <a:lnTo>
-                  <a:pt x="0" y="0"/>
-                </a:lnTo>
-                <a:lnTo>
-                  <a:pt x="0" y="282"/>
-                </a:lnTo>
-                <a:close/>
-                <a:moveTo>
-                  <a:pt x="89" y="35"/>
-                </a:moveTo>
-                <a:lnTo>
-                  <a:pt x="124" y="35"/>
-                </a:lnTo>
-                <a:lnTo>
-                  <a:pt x="124" y="70"/>
-                </a:lnTo>
-                <a:lnTo>
-                  <a:pt x="89" y="70"/>
-                </a:lnTo>
-                <a:lnTo>
-                  <a:pt x="89" y="35"/>
-                </a:lnTo>
-                <a:close/>
-                <a:moveTo>
-                  <a:pt x="89" y="106"/>
-                </a:moveTo>
-                <a:lnTo>
-                  <a:pt x="124" y="106"/>
-                </a:lnTo>
-                <a:lnTo>
-                  <a:pt x="124" y="141"/>
-                </a:lnTo>
-                <a:lnTo>
-                  <a:pt x="89" y="141"/>
-                </a:lnTo>
-                <a:lnTo>
-                  <a:pt x="89" y="106"/>
-                </a:lnTo>
-                <a:close/>
-                <a:moveTo>
-                  <a:pt x="89" y="176"/>
-                </a:moveTo>
-                <a:lnTo>
-                  <a:pt x="124" y="176"/>
-                </a:lnTo>
-                <a:lnTo>
-                  <a:pt x="124" y="212"/>
-                </a:lnTo>
-                <a:lnTo>
-                  <a:pt x="89" y="212"/>
-                </a:lnTo>
-                <a:lnTo>
-                  <a:pt x="89" y="176"/>
-                </a:lnTo>
-                <a:close/>
-                <a:moveTo>
-                  <a:pt x="18" y="35"/>
-                </a:moveTo>
-                <a:lnTo>
-                  <a:pt x="53" y="35"/>
-                </a:lnTo>
-                <a:lnTo>
-                  <a:pt x="53" y="70"/>
-                </a:lnTo>
-                <a:lnTo>
-                  <a:pt x="18" y="70"/>
-                </a:lnTo>
-                <a:lnTo>
-                  <a:pt x="18" y="35"/>
-                </a:lnTo>
-                <a:close/>
-                <a:moveTo>
-                  <a:pt x="18" y="106"/>
-                </a:moveTo>
-                <a:lnTo>
-                  <a:pt x="53" y="106"/>
-                </a:lnTo>
-                <a:lnTo>
-                  <a:pt x="53" y="141"/>
-                </a:lnTo>
-                <a:lnTo>
-                  <a:pt x="18" y="141"/>
-                </a:lnTo>
-                <a:lnTo>
-                  <a:pt x="18" y="106"/>
-                </a:lnTo>
-                <a:close/>
-                <a:moveTo>
-                  <a:pt x="18" y="176"/>
-                </a:moveTo>
-                <a:lnTo>
-                  <a:pt x="53" y="176"/>
-                </a:lnTo>
-                <a:lnTo>
-                  <a:pt x="53" y="212"/>
-                </a:lnTo>
-                <a:lnTo>
-                  <a:pt x="18" y="212"/>
-                </a:lnTo>
-                <a:lnTo>
-                  <a:pt x="18" y="176"/>
-                </a:lnTo>
-                <a:close/>
-                <a:moveTo>
-                  <a:pt x="159" y="88"/>
-                </a:moveTo>
-                <a:lnTo>
-                  <a:pt x="283" y="88"/>
-                </a:lnTo>
-                <a:lnTo>
-                  <a:pt x="283" y="106"/>
-                </a:lnTo>
-                <a:lnTo>
-                  <a:pt x="159" y="106"/>
-                </a:lnTo>
-                <a:lnTo>
-                  <a:pt x="159" y="88"/>
-                </a:lnTo>
-                <a:close/>
-                <a:moveTo>
-                  <a:pt x="159" y="282"/>
-                </a:moveTo>
-                <a:lnTo>
-                  <a:pt x="195" y="282"/>
-                </a:lnTo>
-                <a:lnTo>
-                  <a:pt x="195" y="212"/>
-                </a:lnTo>
-                <a:lnTo>
-                  <a:pt x="248" y="212"/>
-                </a:lnTo>
-                <a:lnTo>
-                  <a:pt x="248" y="282"/>
-                </a:lnTo>
-                <a:lnTo>
-                  <a:pt x="283" y="282"/>
-                </a:lnTo>
-                <a:lnTo>
-                  <a:pt x="283" y="123"/>
-                </a:lnTo>
-                <a:lnTo>
-                  <a:pt x="159" y="123"/>
-                </a:lnTo>
-                <a:lnTo>
-                  <a:pt x="159" y="282"/>
-                </a:lnTo>
-                <a:close/>
-              </a:path>
-            </a:pathLst>
-          </a:custGeom>
-          <a:solidFill>
-            <a:schemeClr val="bg1"/>
-          </a:solidFill>
-          <a:ln>
-            <a:noFill/>
-          </a:ln>
-        </p:spPr>
-        <p:txBody>
-          <a:bodyPr vert="horz" wrap="square" lIns="45720" tIns="22860" rIns="45720" bIns="22860" numCol="1" anchor="t" anchorCtr="0" compatLnSpc="1">
-            <a:prstTxWarp prst="textNoShape">
-              <a:avLst/>
-            </a:prstTxWarp>
-          </a:bodyPr>
-          <a:lstStyle/>
-          <a:p>
-            <a:endParaRPr lang="en-US" sz="900"/>
-          </a:p>
-        </p:txBody>
-      </p:sp>
       <p:grpSp>
         <p:nvGrpSpPr>
           <p:cNvPr id="2" name="Group 1"/>
@@ -5822,11 +5374,11 @@
   <p:clrMapOvr>
     <a:masterClrMapping/>
   </p:clrMapOvr>
-  <mc:AlternateContent xmlns:mc="http://schemas.openxmlformats.org/markup-compatibility/2006">
-    <mc:Choice xmlns:p14="http://schemas.microsoft.com/office/powerpoint/2010/main" Requires="p14">
+  <mc:AlternateContent xmlns:mc="http://schemas.openxmlformats.org/markup-compatibility/2006" xmlns:p14="http://schemas.microsoft.com/office/powerpoint/2010/main">
+    <mc:Choice Requires="p14">
       <p:transition p14:dur="0"/>
     </mc:Choice>
-    <mc:Fallback>
+    <mc:Fallback xmlns="">
       <p:transition/>
     </mc:Fallback>
   </mc:AlternateContent>
@@ -6550,11 +6102,11 @@
   <p:clrMapOvr>
     <a:masterClrMapping/>
   </p:clrMapOvr>
-  <mc:AlternateContent xmlns:mc="http://schemas.openxmlformats.org/markup-compatibility/2006">
-    <mc:Choice xmlns:p14="http://schemas.microsoft.com/office/powerpoint/2010/main" Requires="p14">
+  <mc:AlternateContent xmlns:mc="http://schemas.openxmlformats.org/markup-compatibility/2006" xmlns:p14="http://schemas.microsoft.com/office/powerpoint/2010/main">
+    <mc:Choice Requires="p14">
       <p:transition p14:dur="0"/>
     </mc:Choice>
-    <mc:Fallback>
+    <mc:Fallback xmlns="">
       <p:transition/>
     </mc:Fallback>
   </mc:AlternateContent>
@@ -7344,11 +6896,11 @@
   <p:clrMapOvr>
     <a:masterClrMapping/>
   </p:clrMapOvr>
-  <mc:AlternateContent xmlns:mc="http://schemas.openxmlformats.org/markup-compatibility/2006">
-    <mc:Choice xmlns:p14="http://schemas.microsoft.com/office/powerpoint/2010/main" Requires="p14">
+  <mc:AlternateContent xmlns:mc="http://schemas.openxmlformats.org/markup-compatibility/2006" xmlns:p14="http://schemas.microsoft.com/office/powerpoint/2010/main">
+    <mc:Choice Requires="p14">
       <p:transition p14:dur="0"/>
     </mc:Choice>
-    <mc:Fallback>
+    <mc:Fallback xmlns="">
       <p:transition/>
     </mc:Fallback>
   </mc:AlternateContent>
@@ -9834,11 +9386,7 @@
             </a:r>
             <a:r>
               <a:rPr lang="ko-KR" altLang="en-US" sz="1200" dirty="0" smtClean="0"/>
-              <a:t>그래프 </a:t>
-            </a:r>
-            <a:r>
-              <a:rPr lang="ko-KR" altLang="en-US" sz="1200" dirty="0" smtClean="0"/>
-              <a:t>생성</a:t>
+              <a:t>그래프 생성</a:t>
             </a:r>
             <a:endParaRPr lang="ko-KR" altLang="en-US" sz="1200" dirty="0"/>
           </a:p>
@@ -9854,11 +9402,11 @@
   <p:clrMapOvr>
     <a:masterClrMapping/>
   </p:clrMapOvr>
-  <mc:AlternateContent xmlns:mc="http://schemas.openxmlformats.org/markup-compatibility/2006">
-    <mc:Choice xmlns:p14="http://schemas.microsoft.com/office/powerpoint/2010/main" Requires="p14">
+  <mc:AlternateContent xmlns:mc="http://schemas.openxmlformats.org/markup-compatibility/2006" xmlns:p14="http://schemas.microsoft.com/office/powerpoint/2010/main">
+    <mc:Choice Requires="p14">
       <p:transition p14:dur="0"/>
     </mc:Choice>
-    <mc:Fallback>
+    <mc:Fallback xmlns="">
       <p:transition/>
     </mc:Fallback>
   </mc:AlternateContent>
@@ -12457,11 +12005,11 @@
   <p:clrMapOvr>
     <a:masterClrMapping/>
   </p:clrMapOvr>
-  <mc:AlternateContent xmlns:mc="http://schemas.openxmlformats.org/markup-compatibility/2006">
-    <mc:Choice xmlns:p14="http://schemas.microsoft.com/office/powerpoint/2010/main" Requires="p14">
+  <mc:AlternateContent xmlns:mc="http://schemas.openxmlformats.org/markup-compatibility/2006" xmlns:p14="http://schemas.microsoft.com/office/powerpoint/2010/main">
+    <mc:Choice Requires="p14">
       <p:transition p14:dur="0"/>
     </mc:Choice>
-    <mc:Fallback>
+    <mc:Fallback xmlns="">
       <p:transition/>
     </mc:Fallback>
   </mc:AlternateContent>
@@ -13363,11 +12911,11 @@
   <p:clrMapOvr>
     <a:masterClrMapping/>
   </p:clrMapOvr>
-  <mc:AlternateContent xmlns:mc="http://schemas.openxmlformats.org/markup-compatibility/2006">
-    <mc:Choice xmlns:p14="http://schemas.microsoft.com/office/powerpoint/2010/main" Requires="p14">
+  <mc:AlternateContent xmlns:mc="http://schemas.openxmlformats.org/markup-compatibility/2006" xmlns:p14="http://schemas.microsoft.com/office/powerpoint/2010/main">
+    <mc:Choice Requires="p14">
       <p:transition p14:dur="0"/>
     </mc:Choice>
-    <mc:Fallback>
+    <mc:Fallback xmlns="">
       <p:transition/>
     </mc:Fallback>
   </mc:AlternateContent>
@@ -13943,11 +13491,11 @@
   <p:clrMapOvr>
     <a:masterClrMapping/>
   </p:clrMapOvr>
-  <mc:AlternateContent xmlns:mc="http://schemas.openxmlformats.org/markup-compatibility/2006">
-    <mc:Choice xmlns:p14="http://schemas.microsoft.com/office/powerpoint/2010/main" Requires="p14">
+  <mc:AlternateContent xmlns:mc="http://schemas.openxmlformats.org/markup-compatibility/2006" xmlns:p14="http://schemas.microsoft.com/office/powerpoint/2010/main">
+    <mc:Choice Requires="p14">
       <p:transition p14:dur="0"/>
     </mc:Choice>
-    <mc:Fallback>
+    <mc:Fallback xmlns="">
       <p:transition/>
     </mc:Fallback>
   </mc:AlternateContent>
@@ -14000,45 +13548,33 @@
           </a:bodyPr>
           <a:lstStyle/>
           <a:p>
-            <a:pPr algn="just">
+            <a:pPr marL="742950" indent="-742950" algn="just">
               <a:lnSpc>
                 <a:spcPct val="120000"/>
               </a:lnSpc>
+              <a:buAutoNum type="arabicPeriod"/>
               <a:defRPr/>
             </a:pPr>
-            <a:r>
-              <a:rPr lang="en-US" altLang="ko-KR" sz="4000" b="1" dirty="0" smtClean="0">
-                <a:latin typeface="Lato Regular"/>
-                <a:cs typeface="Lato Regular"/>
-              </a:rPr>
-              <a:t>1. </a:t>
-            </a:r>
             <a:r>
               <a:rPr lang="ko-KR" altLang="en-US" sz="4000" b="1" dirty="0" smtClean="0">
                 <a:latin typeface="Lato Regular"/>
                 <a:cs typeface="Lato Regular"/>
               </a:rPr>
-              <a:t>연구배경</a:t>
-            </a:r>
-            <a:endParaRPr lang="en-US" altLang="ko-KR" sz="4000" b="1" dirty="0" smtClean="0">
+              <a:t>연구 배경</a:t>
+            </a:r>
+            <a:endParaRPr lang="en-US" altLang="ko-KR" sz="4000" b="1" dirty="0">
               <a:latin typeface="Lato Regular"/>
               <a:cs typeface="Lato Regular"/>
             </a:endParaRPr>
           </a:p>
           <a:p>
-            <a:pPr algn="just">
+            <a:pPr marL="742950" indent="-742950" algn="just">
               <a:lnSpc>
                 <a:spcPct val="120000"/>
               </a:lnSpc>
+              <a:buAutoNum type="arabicPeriod"/>
               <a:defRPr/>
             </a:pPr>
-            <a:r>
-              <a:rPr lang="en-US" altLang="ko-KR" sz="4000" b="1" dirty="0" smtClean="0">
-                <a:latin typeface="Lato Regular"/>
-                <a:cs typeface="Lato Regular"/>
-              </a:rPr>
-              <a:t>2. </a:t>
-            </a:r>
             <a:r>
               <a:rPr lang="ko-KR" altLang="en-US" sz="4000" b="1" dirty="0" smtClean="0">
                 <a:latin typeface="Lato Regular"/>
@@ -14046,25 +13582,19 @@
               </a:rPr>
               <a:t>관련 연구</a:t>
             </a:r>
-            <a:endParaRPr lang="en-US" altLang="ko-KR" sz="4000" b="1" dirty="0" smtClean="0">
+            <a:endParaRPr lang="en-US" altLang="ko-KR" sz="4000" b="1" dirty="0">
               <a:latin typeface="Lato Regular"/>
               <a:cs typeface="Lato Regular"/>
             </a:endParaRPr>
           </a:p>
           <a:p>
-            <a:pPr algn="just">
+            <a:pPr marL="742950" indent="-742950" algn="just">
               <a:lnSpc>
                 <a:spcPct val="120000"/>
               </a:lnSpc>
+              <a:buAutoNum type="arabicPeriod"/>
               <a:defRPr/>
             </a:pPr>
-            <a:r>
-              <a:rPr lang="en-US" altLang="ko-KR" sz="4000" b="1" dirty="0" smtClean="0">
-                <a:latin typeface="Lato Regular"/>
-                <a:cs typeface="Lato Regular"/>
-              </a:rPr>
-              <a:t>3. </a:t>
-            </a:r>
             <a:r>
               <a:rPr lang="ko-KR" altLang="en-US" sz="4000" b="1" dirty="0" smtClean="0">
                 <a:latin typeface="Lato Regular"/>
@@ -14072,31 +13602,45 @@
               </a:rPr>
               <a:t>프로젝트 내용</a:t>
             </a:r>
-            <a:endParaRPr lang="en-US" altLang="ko-KR" sz="4000" b="1" dirty="0" smtClean="0">
+            <a:endParaRPr lang="en-US" altLang="ko-KR" sz="4000" b="1" dirty="0">
               <a:latin typeface="Lato Regular"/>
               <a:cs typeface="Lato Regular"/>
             </a:endParaRPr>
           </a:p>
           <a:p>
-            <a:pPr algn="just">
+            <a:pPr marL="742950" indent="-742950" algn="just">
               <a:lnSpc>
                 <a:spcPct val="120000"/>
               </a:lnSpc>
+              <a:buAutoNum type="arabicPeriod"/>
               <a:defRPr/>
             </a:pPr>
-            <a:r>
-              <a:rPr lang="en-US" altLang="ko-KR" sz="4000" b="1" dirty="0" smtClean="0">
-                <a:latin typeface="Lato Regular"/>
-                <a:cs typeface="Lato Regular"/>
-              </a:rPr>
-              <a:t>4. </a:t>
-            </a:r>
             <a:r>
               <a:rPr lang="ko-KR" altLang="en-US" sz="4000" b="1" dirty="0" smtClean="0">
                 <a:latin typeface="Lato Regular"/>
                 <a:cs typeface="Lato Regular"/>
               </a:rPr>
-              <a:t>기대 효과</a:t>
+              <a:t>프로젝트 결과</a:t>
+            </a:r>
+            <a:endParaRPr lang="en-US" altLang="ko-KR" sz="4000" b="1" dirty="0">
+              <a:latin typeface="Lato Regular"/>
+              <a:cs typeface="Lato Regular"/>
+            </a:endParaRPr>
+          </a:p>
+          <a:p>
+            <a:pPr marL="742950" indent="-742950" algn="just">
+              <a:lnSpc>
+                <a:spcPct val="120000"/>
+              </a:lnSpc>
+              <a:buAutoNum type="arabicPeriod"/>
+              <a:defRPr/>
+            </a:pPr>
+            <a:r>
+              <a:rPr lang="ko-KR" altLang="en-US" sz="4000" b="1" dirty="0" smtClean="0">
+                <a:latin typeface="Lato Regular"/>
+                <a:cs typeface="Lato Regular"/>
+              </a:rPr>
+              <a:t>향후 연구</a:t>
             </a:r>
             <a:endParaRPr lang="en-US" altLang="ko-KR" sz="4000" b="1" dirty="0" smtClean="0">
               <a:latin typeface="Lato Regular"/>
@@ -14241,11 +13785,11 @@
   <p:clrMapOvr>
     <a:masterClrMapping/>
   </p:clrMapOvr>
-  <mc:AlternateContent xmlns:mc="http://schemas.openxmlformats.org/markup-compatibility/2006">
-    <mc:Choice xmlns:p14="http://schemas.microsoft.com/office/powerpoint/2010/main" Requires="p14">
+  <mc:AlternateContent xmlns:mc="http://schemas.openxmlformats.org/markup-compatibility/2006" xmlns:p14="http://schemas.microsoft.com/office/powerpoint/2010/main">
+    <mc:Choice Requires="p14">
       <p:transition p14:dur="0"/>
     </mc:Choice>
-    <mc:Fallback>
+    <mc:Fallback xmlns="">
       <p:transition/>
     </mc:Fallback>
   </mc:AlternateContent>
@@ -14325,6 +13869,27 @@
               </a:rPr>
             </a:br>
             <a:r>
+              <a:rPr lang="ko-KR" altLang="en-US" sz="2400" b="1" dirty="0" smtClean="0">
+                <a:latin typeface="Lato Regular"/>
+                <a:cs typeface="Lato Regular"/>
+              </a:rPr>
+              <a:t>온라인 </a:t>
+            </a:r>
+            <a:r>
+              <a:rPr lang="en-US" altLang="ko-KR" sz="2400" b="1" dirty="0" smtClean="0">
+                <a:latin typeface="Lato Regular"/>
+                <a:cs typeface="Lato Regular"/>
+              </a:rPr>
+              <a:t>PC</a:t>
+            </a:r>
+            <a:r>
+              <a:rPr lang="ko-KR" altLang="en-US" sz="2400" b="1" dirty="0" smtClean="0">
+                <a:latin typeface="Lato Regular"/>
+                <a:cs typeface="Lato Regular"/>
+              </a:rPr>
+              <a:t> </a:t>
+            </a:r>
+            <a:r>
               <a:rPr lang="en-US" altLang="ko-KR" sz="2400" b="1" dirty="0" smtClean="0">
                 <a:latin typeface="Lato Regular"/>
                 <a:cs typeface="Lato Regular"/>
@@ -14393,7 +13958,35 @@
                 <a:latin typeface="Lato Regular"/>
                 <a:cs typeface="Lato Light"/>
               </a:rPr>
-              <a:t>이 게임의 목표는 랭크 게임에서 승리하여 랭크를 올리는 것</a:t>
+              <a:t>플레이어들</a:t>
+            </a:r>
+            <a:r>
+              <a:rPr lang="ko-KR" altLang="en-US" sz="2400" b="1" dirty="0" smtClean="0">
+                <a:latin typeface="Lato Regular"/>
+                <a:cs typeface="Lato Light"/>
+              </a:rPr>
+              <a:t>의 </a:t>
+            </a:r>
+            <a:r>
+              <a:rPr lang="ko-KR" altLang="en-US" sz="2400" b="1" dirty="0" smtClean="0">
+                <a:latin typeface="Lato Regular"/>
+                <a:cs typeface="Lato Light"/>
+              </a:rPr>
+              <a:t>목표는 </a:t>
+            </a:r>
+            <a:r>
+              <a:rPr lang="ko-KR" altLang="en-US" sz="2400" b="1" dirty="0" smtClean="0">
+                <a:latin typeface="Lato Regular"/>
+                <a:cs typeface="Lato Light"/>
+              </a:rPr>
+              <a:t>솔로 랭크 </a:t>
+            </a:r>
+            <a:r>
+              <a:rPr lang="ko-KR" altLang="en-US" sz="2400" b="1" dirty="0" smtClean="0">
+                <a:latin typeface="Lato Regular"/>
+                <a:cs typeface="Lato Light"/>
+              </a:rPr>
+              <a:t>게임에서 승리하여 랭크를 올리는 것</a:t>
             </a:r>
             <a:endParaRPr lang="en-US" altLang="ko-KR" sz="2400" b="1" dirty="0" smtClean="0">
               <a:latin typeface="Lato Regular"/>
@@ -14436,7 +14029,21 @@
                 <a:latin typeface="Lato Regular"/>
                 <a:cs typeface="Lato Light"/>
               </a:rPr>
-              <a:t>리그 오브 레전드에서 상대 챔피언을 맞상대해서 이길 수 있는 강력함과 아군과의 좋은 시너지를 가진 챔피언을 </a:t>
+              <a:t>리그 오브 레전드에서 상대 챔피언을 맞상대해서 이길 수 </a:t>
+            </a:r>
+            <a:r>
+              <a:rPr lang="ko-KR" altLang="en-US" sz="2400" b="1" dirty="0" smtClean="0">
+                <a:latin typeface="Lato Regular"/>
+                <a:cs typeface="Lato Light"/>
+              </a:rPr>
+              <a:t>있으면서도 아군과의 </a:t>
+            </a:r>
+            <a:r>
+              <a:rPr lang="ko-KR" altLang="en-US" sz="2400" b="1" dirty="0" smtClean="0">
+                <a:latin typeface="Lato Regular"/>
+                <a:cs typeface="Lato Light"/>
+              </a:rPr>
+              <a:t>좋은 시너지를 가진 챔피언을 </a:t>
             </a:r>
             <a:r>
               <a:rPr lang="ko-KR" altLang="en-US" sz="2400" b="1" dirty="0" err="1" smtClean="0">
@@ -14567,6 +14174,213 @@
           </p:txBody>
         </p:sp>
       </p:grpSp>
+      <p:sp>
+        <p:nvSpPr>
+          <p:cNvPr id="10" name="Subtitle 2"/>
+          <p:cNvSpPr txBox="1">
+            <a:spLocks/>
+          </p:cNvSpPr>
+          <p:nvPr/>
+        </p:nvSpPr>
+        <p:spPr>
+          <a:xfrm>
+            <a:off x="268407" y="766122"/>
+            <a:ext cx="11655185" cy="839116"/>
+          </a:xfrm>
+          <a:prstGeom prst="rect">
+            <a:avLst/>
+          </a:prstGeom>
+        </p:spPr>
+        <p:txBody>
+          <a:bodyPr vert="horz" lIns="217490" tIns="108745" rIns="217490" bIns="108745" rtlCol="0">
+            <a:normAutofit/>
+          </a:bodyPr>
+          <a:lstStyle>
+            <a:lvl1pPr marL="0" indent="0" algn="ctr" defTabSz="1087636" rtl="0" eaLnBrk="1" latinLnBrk="0" hangingPunct="1">
+              <a:lnSpc>
+                <a:spcPct val="120000"/>
+              </a:lnSpc>
+              <a:spcBef>
+                <a:spcPct val="20000"/>
+              </a:spcBef>
+              <a:buFont typeface="Arial"/>
+              <a:buNone/>
+              <a:defRPr sz="2400" kern="1200">
+                <a:solidFill>
+                  <a:schemeClr val="tx2"/>
+                </a:solidFill>
+                <a:latin typeface="Open Sans Light"/>
+                <a:ea typeface="+mn-ea"/>
+                <a:cs typeface="Open Sans Light"/>
+              </a:defRPr>
+            </a:lvl1pPr>
+            <a:lvl2pPr marL="1087636" indent="0" algn="ctr" defTabSz="1087636" rtl="0" eaLnBrk="1" latinLnBrk="0" hangingPunct="1">
+              <a:lnSpc>
+                <a:spcPct val="130000"/>
+              </a:lnSpc>
+              <a:spcBef>
+                <a:spcPct val="20000"/>
+              </a:spcBef>
+              <a:buFont typeface="Arial"/>
+              <a:buNone/>
+              <a:defRPr sz="3200" kern="1200">
+                <a:solidFill>
+                  <a:schemeClr val="tx1">
+                    <a:tint val="75000"/>
+                  </a:schemeClr>
+                </a:solidFill>
+                <a:latin typeface="Open Sans"/>
+                <a:ea typeface="+mn-ea"/>
+                <a:cs typeface="Open Sans"/>
+              </a:defRPr>
+            </a:lvl2pPr>
+            <a:lvl3pPr marL="2175271" indent="0" algn="ctr" defTabSz="1087636" rtl="0" eaLnBrk="1" latinLnBrk="0" hangingPunct="1">
+              <a:lnSpc>
+                <a:spcPct val="130000"/>
+              </a:lnSpc>
+              <a:spcBef>
+                <a:spcPct val="20000"/>
+              </a:spcBef>
+              <a:buFont typeface="Arial"/>
+              <a:buNone/>
+              <a:defRPr sz="3200" kern="1200">
+                <a:solidFill>
+                  <a:schemeClr val="tx1">
+                    <a:tint val="75000"/>
+                  </a:schemeClr>
+                </a:solidFill>
+                <a:latin typeface="Open Sans"/>
+                <a:ea typeface="+mn-ea"/>
+                <a:cs typeface="Open Sans"/>
+              </a:defRPr>
+            </a:lvl3pPr>
+            <a:lvl4pPr marL="3262912" indent="0" algn="ctr" defTabSz="1087636" rtl="0" eaLnBrk="1" latinLnBrk="0" hangingPunct="1">
+              <a:lnSpc>
+                <a:spcPct val="130000"/>
+              </a:lnSpc>
+              <a:spcBef>
+                <a:spcPct val="20000"/>
+              </a:spcBef>
+              <a:buFont typeface="Arial"/>
+              <a:buNone/>
+              <a:defRPr sz="3200" kern="1200">
+                <a:solidFill>
+                  <a:schemeClr val="tx1">
+                    <a:tint val="75000"/>
+                  </a:schemeClr>
+                </a:solidFill>
+                <a:latin typeface="Open Sans"/>
+                <a:ea typeface="+mn-ea"/>
+                <a:cs typeface="Open Sans"/>
+              </a:defRPr>
+            </a:lvl4pPr>
+            <a:lvl5pPr marL="4350546" indent="0" algn="ctr" defTabSz="1087636" rtl="0" eaLnBrk="1" latinLnBrk="0" hangingPunct="1">
+              <a:lnSpc>
+                <a:spcPct val="130000"/>
+              </a:lnSpc>
+              <a:spcBef>
+                <a:spcPct val="20000"/>
+              </a:spcBef>
+              <a:buFont typeface="Arial"/>
+              <a:buNone/>
+              <a:defRPr sz="3200" kern="1200">
+                <a:solidFill>
+                  <a:schemeClr val="tx1">
+                    <a:tint val="75000"/>
+                  </a:schemeClr>
+                </a:solidFill>
+                <a:latin typeface="Open Sans"/>
+                <a:ea typeface="+mn-ea"/>
+                <a:cs typeface="Open Sans"/>
+              </a:defRPr>
+            </a:lvl5pPr>
+            <a:lvl6pPr marL="5438184" indent="0" algn="ctr" defTabSz="1087636" rtl="0" eaLnBrk="1" latinLnBrk="0" hangingPunct="1">
+              <a:spcBef>
+                <a:spcPct val="20000"/>
+              </a:spcBef>
+              <a:buFont typeface="Arial"/>
+              <a:buNone/>
+              <a:defRPr sz="4800" kern="1200">
+                <a:solidFill>
+                  <a:schemeClr val="tx1">
+                    <a:tint val="75000"/>
+                  </a:schemeClr>
+                </a:solidFill>
+                <a:latin typeface="+mn-lt"/>
+                <a:ea typeface="+mn-ea"/>
+                <a:cs typeface="+mn-cs"/>
+              </a:defRPr>
+            </a:lvl6pPr>
+            <a:lvl7pPr marL="6525820" indent="0" algn="ctr" defTabSz="1087636" rtl="0" eaLnBrk="1" latinLnBrk="0" hangingPunct="1">
+              <a:spcBef>
+                <a:spcPct val="20000"/>
+              </a:spcBef>
+              <a:buFont typeface="Arial"/>
+              <a:buNone/>
+              <a:defRPr sz="4800" kern="1200">
+                <a:solidFill>
+                  <a:schemeClr val="tx1">
+                    <a:tint val="75000"/>
+                  </a:schemeClr>
+                </a:solidFill>
+                <a:latin typeface="+mn-lt"/>
+                <a:ea typeface="+mn-ea"/>
+                <a:cs typeface="+mn-cs"/>
+              </a:defRPr>
+            </a:lvl7pPr>
+            <a:lvl8pPr marL="7613455" indent="0" algn="ctr" defTabSz="1087636" rtl="0" eaLnBrk="1" latinLnBrk="0" hangingPunct="1">
+              <a:spcBef>
+                <a:spcPct val="20000"/>
+              </a:spcBef>
+              <a:buFont typeface="Arial"/>
+              <a:buNone/>
+              <a:defRPr sz="4800" kern="1200">
+                <a:solidFill>
+                  <a:schemeClr val="tx1">
+                    <a:tint val="75000"/>
+                  </a:schemeClr>
+                </a:solidFill>
+                <a:latin typeface="+mn-lt"/>
+                <a:ea typeface="+mn-ea"/>
+                <a:cs typeface="+mn-cs"/>
+              </a:defRPr>
+            </a:lvl8pPr>
+            <a:lvl9pPr marL="8701091" indent="0" algn="ctr" defTabSz="1087636" rtl="0" eaLnBrk="1" latinLnBrk="0" hangingPunct="1">
+              <a:spcBef>
+                <a:spcPct val="20000"/>
+              </a:spcBef>
+              <a:buFont typeface="Arial"/>
+              <a:buNone/>
+              <a:defRPr sz="4800" kern="1200">
+                <a:solidFill>
+                  <a:schemeClr val="tx1">
+                    <a:tint val="75000"/>
+                  </a:schemeClr>
+                </a:solidFill>
+                <a:latin typeface="+mn-lt"/>
+                <a:ea typeface="+mn-ea"/>
+                <a:cs typeface="+mn-cs"/>
+              </a:defRPr>
+            </a:lvl9pPr>
+          </a:lstStyle>
+          <a:p>
+            <a:r>
+              <a:rPr lang="ko-KR" altLang="en-US" dirty="0" smtClean="0">
+                <a:latin typeface="Lato Light"/>
+                <a:cs typeface="Lato Light"/>
+              </a:rPr>
+              <a:t>연구 배경</a:t>
+            </a:r>
+            <a:endParaRPr lang="en-US" dirty="0">
+              <a:solidFill>
+                <a:schemeClr val="accent1"/>
+              </a:solidFill>
+              <a:latin typeface="Lato Light"/>
+              <a:cs typeface="Lato Light"/>
+            </a:endParaRPr>
+          </a:p>
+        </p:txBody>
+      </p:sp>
     </p:spTree>
     <p:extLst>
       <p:ext uri="{BB962C8B-B14F-4D97-AF65-F5344CB8AC3E}">
@@ -14577,11 +14391,11 @@
   <p:clrMapOvr>
     <a:masterClrMapping/>
   </p:clrMapOvr>
-  <mc:AlternateContent xmlns:mc="http://schemas.openxmlformats.org/markup-compatibility/2006">
-    <mc:Choice xmlns:p14="http://schemas.microsoft.com/office/powerpoint/2010/main" Requires="p14">
+  <mc:AlternateContent xmlns:mc="http://schemas.openxmlformats.org/markup-compatibility/2006" xmlns:p14="http://schemas.microsoft.com/office/powerpoint/2010/main">
+    <mc:Choice Requires="p14">
       <p:transition p14:dur="0"/>
     </mc:Choice>
-    <mc:Fallback>
+    <mc:Fallback xmlns="">
       <p:transition/>
     </mc:Fallback>
   </mc:AlternateContent>
@@ -14803,21 +14617,28 @@
                 <a:latin typeface="Lato Regular"/>
                 <a:cs typeface="Lato Light"/>
               </a:rPr>
-              <a:t> 이용해 랭크 게임에서 특정 챔피언의 </a:t>
-            </a:r>
-            <a:r>
-              <a:rPr lang="ko-KR" altLang="en-US" sz="2400" b="1" dirty="0" err="1" smtClean="0">
-                <a:latin typeface="Lato Regular"/>
-                <a:cs typeface="Lato Light"/>
-              </a:rPr>
-              <a:t>티어를</a:t>
+              <a:t> 이용해 </a:t>
             </a:r>
             <a:r>
               <a:rPr lang="ko-KR" altLang="en-US" sz="2400" b="1" dirty="0" smtClean="0">
                 <a:latin typeface="Lato Regular"/>
                 <a:cs typeface="Lato Light"/>
               </a:rPr>
-              <a:t> 분석하고</a:t>
+              <a:t>솔로 랭크 </a:t>
+            </a:r>
+            <a:r>
+              <a:rPr lang="ko-KR" altLang="en-US" sz="2400" b="1" dirty="0" smtClean="0">
+                <a:latin typeface="Lato Regular"/>
+                <a:cs typeface="Lato Light"/>
+              </a:rPr>
+              <a:t>게임에서 </a:t>
+            </a:r>
+            <a:r>
+              <a:rPr lang="ko-KR" altLang="en-US" sz="2400" b="1" dirty="0" smtClean="0">
+                <a:latin typeface="Lato Regular"/>
+                <a:cs typeface="Lato Light"/>
+              </a:rPr>
+              <a:t>챔피언들의 영향력을 분석하고</a:t>
             </a:r>
             <a:r>
               <a:rPr lang="en-US" altLang="ko-KR" sz="2400" b="1" dirty="0" smtClean="0">
@@ -14831,22 +14652,17 @@
                 <a:latin typeface="Lato Regular"/>
                 <a:cs typeface="Lato Light"/>
               </a:rPr>
-              <a:t>해당 챔피언과 다른 챔피언 간의 시너지까지도 알아내고자 함</a:t>
+              <a:t>해당 챔피언과 다른 </a:t>
+            </a:r>
+            <a:r>
+              <a:rPr lang="ko-KR" altLang="en-US" sz="2400" b="1" dirty="0" smtClean="0">
+                <a:latin typeface="Lato Regular"/>
+                <a:cs typeface="Lato Light"/>
+              </a:rPr>
+              <a:t>챔피언과의 시너지와 다른 챔피언과의 상성도 분석하고자 함</a:t>
             </a:r>
             <a:endParaRPr lang="en-US" altLang="ko-KR" sz="2400" b="1" dirty="0" smtClean="0">
               <a:latin typeface="Lato Regular"/>
-              <a:cs typeface="Lato Light"/>
-            </a:endParaRPr>
-          </a:p>
-          <a:p>
-            <a:pPr algn="just">
-              <a:lnSpc>
-                <a:spcPct val="120000"/>
-              </a:lnSpc>
-              <a:defRPr/>
-            </a:pPr>
-            <a:endParaRPr lang="en-US" sz="2400" dirty="0">
-              <a:latin typeface="Lato Light"/>
               <a:cs typeface="Lato Light"/>
             </a:endParaRPr>
           </a:p>
@@ -14861,9 +14677,9 @@
         <p:grpSpPr>
           <a:xfrm>
             <a:off x="3006075" y="241509"/>
-            <a:ext cx="6179850" cy="1039544"/>
+            <a:ext cx="6179850" cy="1080641"/>
             <a:chOff x="5988388" y="483017"/>
-            <a:chExt cx="12359700" cy="2079087"/>
+            <a:chExt cx="12359700" cy="2161281"/>
           </a:xfrm>
         </p:grpSpPr>
         <p:sp>
@@ -14917,8 +14733,8 @@
           </p:nvSpPr>
           <p:spPr>
             <a:xfrm>
-              <a:off x="11412311" y="2470667"/>
-              <a:ext cx="1553038" cy="91437"/>
+              <a:off x="11412312" y="2552860"/>
+              <a:ext cx="1553038" cy="91438"/>
             </a:xfrm>
             <a:prstGeom prst="rect">
               <a:avLst/>
@@ -14960,6 +14776,213 @@
           </p:txBody>
         </p:sp>
       </p:grpSp>
+      <p:sp>
+        <p:nvSpPr>
+          <p:cNvPr id="10" name="Subtitle 2"/>
+          <p:cNvSpPr txBox="1">
+            <a:spLocks/>
+          </p:cNvSpPr>
+          <p:nvPr/>
+        </p:nvSpPr>
+        <p:spPr>
+          <a:xfrm>
+            <a:off x="268407" y="766122"/>
+            <a:ext cx="11655185" cy="839116"/>
+          </a:xfrm>
+          <a:prstGeom prst="rect">
+            <a:avLst/>
+          </a:prstGeom>
+        </p:spPr>
+        <p:txBody>
+          <a:bodyPr vert="horz" lIns="217490" tIns="108745" rIns="217490" bIns="108745" rtlCol="0">
+            <a:normAutofit/>
+          </a:bodyPr>
+          <a:lstStyle>
+            <a:lvl1pPr marL="0" indent="0" algn="ctr" defTabSz="1087636" rtl="0" eaLnBrk="1" latinLnBrk="0" hangingPunct="1">
+              <a:lnSpc>
+                <a:spcPct val="120000"/>
+              </a:lnSpc>
+              <a:spcBef>
+                <a:spcPct val="20000"/>
+              </a:spcBef>
+              <a:buFont typeface="Arial"/>
+              <a:buNone/>
+              <a:defRPr sz="2400" kern="1200">
+                <a:solidFill>
+                  <a:schemeClr val="tx2"/>
+                </a:solidFill>
+                <a:latin typeface="Open Sans Light"/>
+                <a:ea typeface="+mn-ea"/>
+                <a:cs typeface="Open Sans Light"/>
+              </a:defRPr>
+            </a:lvl1pPr>
+            <a:lvl2pPr marL="1087636" indent="0" algn="ctr" defTabSz="1087636" rtl="0" eaLnBrk="1" latinLnBrk="0" hangingPunct="1">
+              <a:lnSpc>
+                <a:spcPct val="130000"/>
+              </a:lnSpc>
+              <a:spcBef>
+                <a:spcPct val="20000"/>
+              </a:spcBef>
+              <a:buFont typeface="Arial"/>
+              <a:buNone/>
+              <a:defRPr sz="3200" kern="1200">
+                <a:solidFill>
+                  <a:schemeClr val="tx1">
+                    <a:tint val="75000"/>
+                  </a:schemeClr>
+                </a:solidFill>
+                <a:latin typeface="Open Sans"/>
+                <a:ea typeface="+mn-ea"/>
+                <a:cs typeface="Open Sans"/>
+              </a:defRPr>
+            </a:lvl2pPr>
+            <a:lvl3pPr marL="2175271" indent="0" algn="ctr" defTabSz="1087636" rtl="0" eaLnBrk="1" latinLnBrk="0" hangingPunct="1">
+              <a:lnSpc>
+                <a:spcPct val="130000"/>
+              </a:lnSpc>
+              <a:spcBef>
+                <a:spcPct val="20000"/>
+              </a:spcBef>
+              <a:buFont typeface="Arial"/>
+              <a:buNone/>
+              <a:defRPr sz="3200" kern="1200">
+                <a:solidFill>
+                  <a:schemeClr val="tx1">
+                    <a:tint val="75000"/>
+                  </a:schemeClr>
+                </a:solidFill>
+                <a:latin typeface="Open Sans"/>
+                <a:ea typeface="+mn-ea"/>
+                <a:cs typeface="Open Sans"/>
+              </a:defRPr>
+            </a:lvl3pPr>
+            <a:lvl4pPr marL="3262912" indent="0" algn="ctr" defTabSz="1087636" rtl="0" eaLnBrk="1" latinLnBrk="0" hangingPunct="1">
+              <a:lnSpc>
+                <a:spcPct val="130000"/>
+              </a:lnSpc>
+              <a:spcBef>
+                <a:spcPct val="20000"/>
+              </a:spcBef>
+              <a:buFont typeface="Arial"/>
+              <a:buNone/>
+              <a:defRPr sz="3200" kern="1200">
+                <a:solidFill>
+                  <a:schemeClr val="tx1">
+                    <a:tint val="75000"/>
+                  </a:schemeClr>
+                </a:solidFill>
+                <a:latin typeface="Open Sans"/>
+                <a:ea typeface="+mn-ea"/>
+                <a:cs typeface="Open Sans"/>
+              </a:defRPr>
+            </a:lvl4pPr>
+            <a:lvl5pPr marL="4350546" indent="0" algn="ctr" defTabSz="1087636" rtl="0" eaLnBrk="1" latinLnBrk="0" hangingPunct="1">
+              <a:lnSpc>
+                <a:spcPct val="130000"/>
+              </a:lnSpc>
+              <a:spcBef>
+                <a:spcPct val="20000"/>
+              </a:spcBef>
+              <a:buFont typeface="Arial"/>
+              <a:buNone/>
+              <a:defRPr sz="3200" kern="1200">
+                <a:solidFill>
+                  <a:schemeClr val="tx1">
+                    <a:tint val="75000"/>
+                  </a:schemeClr>
+                </a:solidFill>
+                <a:latin typeface="Open Sans"/>
+                <a:ea typeface="+mn-ea"/>
+                <a:cs typeface="Open Sans"/>
+              </a:defRPr>
+            </a:lvl5pPr>
+            <a:lvl6pPr marL="5438184" indent="0" algn="ctr" defTabSz="1087636" rtl="0" eaLnBrk="1" latinLnBrk="0" hangingPunct="1">
+              <a:spcBef>
+                <a:spcPct val="20000"/>
+              </a:spcBef>
+              <a:buFont typeface="Arial"/>
+              <a:buNone/>
+              <a:defRPr sz="4800" kern="1200">
+                <a:solidFill>
+                  <a:schemeClr val="tx1">
+                    <a:tint val="75000"/>
+                  </a:schemeClr>
+                </a:solidFill>
+                <a:latin typeface="+mn-lt"/>
+                <a:ea typeface="+mn-ea"/>
+                <a:cs typeface="+mn-cs"/>
+              </a:defRPr>
+            </a:lvl6pPr>
+            <a:lvl7pPr marL="6525820" indent="0" algn="ctr" defTabSz="1087636" rtl="0" eaLnBrk="1" latinLnBrk="0" hangingPunct="1">
+              <a:spcBef>
+                <a:spcPct val="20000"/>
+              </a:spcBef>
+              <a:buFont typeface="Arial"/>
+              <a:buNone/>
+              <a:defRPr sz="4800" kern="1200">
+                <a:solidFill>
+                  <a:schemeClr val="tx1">
+                    <a:tint val="75000"/>
+                  </a:schemeClr>
+                </a:solidFill>
+                <a:latin typeface="+mn-lt"/>
+                <a:ea typeface="+mn-ea"/>
+                <a:cs typeface="+mn-cs"/>
+              </a:defRPr>
+            </a:lvl7pPr>
+            <a:lvl8pPr marL="7613455" indent="0" algn="ctr" defTabSz="1087636" rtl="0" eaLnBrk="1" latinLnBrk="0" hangingPunct="1">
+              <a:spcBef>
+                <a:spcPct val="20000"/>
+              </a:spcBef>
+              <a:buFont typeface="Arial"/>
+              <a:buNone/>
+              <a:defRPr sz="4800" kern="1200">
+                <a:solidFill>
+                  <a:schemeClr val="tx1">
+                    <a:tint val="75000"/>
+                  </a:schemeClr>
+                </a:solidFill>
+                <a:latin typeface="+mn-lt"/>
+                <a:ea typeface="+mn-ea"/>
+                <a:cs typeface="+mn-cs"/>
+              </a:defRPr>
+            </a:lvl8pPr>
+            <a:lvl9pPr marL="8701091" indent="0" algn="ctr" defTabSz="1087636" rtl="0" eaLnBrk="1" latinLnBrk="0" hangingPunct="1">
+              <a:spcBef>
+                <a:spcPct val="20000"/>
+              </a:spcBef>
+              <a:buFont typeface="Arial"/>
+              <a:buNone/>
+              <a:defRPr sz="4800" kern="1200">
+                <a:solidFill>
+                  <a:schemeClr val="tx1">
+                    <a:tint val="75000"/>
+                  </a:schemeClr>
+                </a:solidFill>
+                <a:latin typeface="+mn-lt"/>
+                <a:ea typeface="+mn-ea"/>
+                <a:cs typeface="+mn-cs"/>
+              </a:defRPr>
+            </a:lvl9pPr>
+          </a:lstStyle>
+          <a:p>
+            <a:r>
+              <a:rPr lang="ko-KR" altLang="en-US" dirty="0" smtClean="0">
+                <a:latin typeface="Lato Light"/>
+                <a:cs typeface="Lato Light"/>
+              </a:rPr>
+              <a:t>연구 배경 및 목표</a:t>
+            </a:r>
+            <a:endParaRPr lang="en-US" dirty="0">
+              <a:solidFill>
+                <a:schemeClr val="accent1"/>
+              </a:solidFill>
+              <a:latin typeface="Lato Light"/>
+              <a:cs typeface="Lato Light"/>
+            </a:endParaRPr>
+          </a:p>
+        </p:txBody>
+      </p:sp>
     </p:spTree>
     <p:extLst>
       <p:ext uri="{BB962C8B-B14F-4D97-AF65-F5344CB8AC3E}">
@@ -14970,11 +14993,11 @@
   <p:clrMapOvr>
     <a:masterClrMapping/>
   </p:clrMapOvr>
-  <mc:AlternateContent xmlns:mc="http://schemas.openxmlformats.org/markup-compatibility/2006">
-    <mc:Choice xmlns:p14="http://schemas.microsoft.com/office/powerpoint/2010/main" Requires="p14">
+  <mc:AlternateContent xmlns:mc="http://schemas.openxmlformats.org/markup-compatibility/2006" xmlns:p14="http://schemas.microsoft.com/office/powerpoint/2010/main">
+    <mc:Choice Requires="p14">
       <p:transition p14:dur="0"/>
     </mc:Choice>
-    <mc:Fallback>
+    <mc:Fallback xmlns="">
       <p:transition/>
     </mc:Fallback>
   </mc:AlternateContent>
@@ -15546,11 +15569,11 @@
   <p:clrMapOvr>
     <a:masterClrMapping/>
   </p:clrMapOvr>
-  <mc:AlternateContent xmlns:mc="http://schemas.openxmlformats.org/markup-compatibility/2006">
-    <mc:Choice xmlns:p14="http://schemas.microsoft.com/office/powerpoint/2010/main" Requires="p14">
+  <mc:AlternateContent xmlns:mc="http://schemas.openxmlformats.org/markup-compatibility/2006" xmlns:p14="http://schemas.microsoft.com/office/powerpoint/2010/main">
+    <mc:Choice Requires="p14">
       <p:transition p14:dur="0"/>
     </mc:Choice>
-    <mc:Fallback>
+    <mc:Fallback xmlns="">
       <p:transition/>
     </mc:Fallback>
   </mc:AlternateContent>
@@ -16187,11 +16210,11 @@
   <p:clrMapOvr>
     <a:masterClrMapping/>
   </p:clrMapOvr>
-  <mc:AlternateContent xmlns:mc="http://schemas.openxmlformats.org/markup-compatibility/2006">
-    <mc:Choice xmlns:p14="http://schemas.microsoft.com/office/powerpoint/2010/main" Requires="p14">
+  <mc:AlternateContent xmlns:mc="http://schemas.openxmlformats.org/markup-compatibility/2006" xmlns:p14="http://schemas.microsoft.com/office/powerpoint/2010/main">
+    <mc:Choice Requires="p14">
       <p:transition p14:dur="0"/>
     </mc:Choice>
-    <mc:Fallback>
+    <mc:Fallback xmlns="">
       <p:transition/>
     </mc:Fallback>
   </mc:AlternateContent>
@@ -16708,11 +16731,11 @@
   <p:clrMapOvr>
     <a:masterClrMapping/>
   </p:clrMapOvr>
-  <mc:AlternateContent xmlns:mc="http://schemas.openxmlformats.org/markup-compatibility/2006">
-    <mc:Choice xmlns:p14="http://schemas.microsoft.com/office/powerpoint/2010/main" Requires="p14">
+  <mc:AlternateContent xmlns:mc="http://schemas.openxmlformats.org/markup-compatibility/2006" xmlns:p14="http://schemas.microsoft.com/office/powerpoint/2010/main">
+    <mc:Choice Requires="p14">
       <p:transition p14:dur="0"/>
     </mc:Choice>
-    <mc:Fallback>
+    <mc:Fallback xmlns="">
       <p:transition/>
     </mc:Fallback>
   </mc:AlternateContent>
@@ -17263,11 +17286,11 @@
   <p:clrMapOvr>
     <a:masterClrMapping/>
   </p:clrMapOvr>
-  <mc:AlternateContent xmlns:mc="http://schemas.openxmlformats.org/markup-compatibility/2006">
-    <mc:Choice xmlns:p14="http://schemas.microsoft.com/office/powerpoint/2010/main" Requires="p14">
+  <mc:AlternateContent xmlns:mc="http://schemas.openxmlformats.org/markup-compatibility/2006" xmlns:p14="http://schemas.microsoft.com/office/powerpoint/2010/main">
+    <mc:Choice Requires="p14">
       <p:transition p14:dur="0"/>
     </mc:Choice>
-    <mc:Fallback>
+    <mc:Fallback xmlns="">
       <p:transition/>
     </mc:Fallback>
   </mc:AlternateContent>
@@ -17923,11 +17946,11 @@
   <p:clrMapOvr>
     <a:masterClrMapping/>
   </p:clrMapOvr>
-  <mc:AlternateContent xmlns:mc="http://schemas.openxmlformats.org/markup-compatibility/2006">
-    <mc:Choice xmlns:p14="http://schemas.microsoft.com/office/powerpoint/2010/main" Requires="p14">
+  <mc:AlternateContent xmlns:mc="http://schemas.openxmlformats.org/markup-compatibility/2006" xmlns:p14="http://schemas.microsoft.com/office/powerpoint/2010/main">
+    <mc:Choice Requires="p14">
       <p:transition p14:dur="0"/>
     </mc:Choice>
-    <mc:Fallback>
+    <mc:Fallback xmlns="">
       <p:transition/>
     </mc:Fallback>
   </mc:AlternateContent>
